--- a/class_7/jquery_class_7.pptx
+++ b/class_7/jquery_class_7.pptx
@@ -33,6 +33,7 @@
     <p:sldId id="283" r:id="rId27"/>
     <p:sldId id="284" r:id="rId28"/>
     <p:sldId id="285" r:id="rId29"/>
+    <p:sldId id="287" r:id="rId30"/>
   </p:sldIdLst>
   <p:sldSz cx="9144000" cy="6858000" type="screen4x3"/>
   <p:notesSz cx="6858000" cy="9144000"/>
@@ -3181,13 +3182,8 @@
             </a:r>
             <a:r>
               <a:rPr lang="en-US" dirty="0" smtClean="0"/>
-              <a:t> </a:t>
-            </a:r>
-            <a:r>
-              <a:rPr lang="en-US" dirty="0" smtClean="0"/>
-              <a:t>UI - Widgets</a:t>
-            </a:r>
-            <a:endParaRPr lang="en-US" dirty="0" smtClean="0"/>
+              <a:t> UI - Widgets</a:t>
+            </a:r>
           </a:p>
         </p:txBody>
       </p:sp>
@@ -7719,6 +7715,257 @@
     <p:extLst>
       <p:ext uri="{BB962C8B-B14F-4D97-AF65-F5344CB8AC3E}">
         <p14:creationId xmlns:p14="http://schemas.microsoft.com/office/powerpoint/2010/main" val="633600232"/>
+      </p:ext>
+    </p:extLst>
+  </p:cSld>
+  <p:clrMapOvr>
+    <a:masterClrMapping/>
+  </p:clrMapOvr>
+</p:sld>
+</file>
+
+<file path=ppt/slides/slide29.xml><?xml version="1.0" encoding="utf-8"?>
+<p:sld xmlns:a="http://schemas.openxmlformats.org/drawingml/2006/main" xmlns:r="http://schemas.openxmlformats.org/officeDocument/2006/relationships" xmlns:p="http://schemas.openxmlformats.org/presentationml/2006/main">
+  <p:cSld>
+    <p:spTree>
+      <p:nvGrpSpPr>
+        <p:cNvPr id="1" name=""/>
+        <p:cNvGrpSpPr/>
+        <p:nvPr/>
+      </p:nvGrpSpPr>
+      <p:grpSpPr>
+        <a:xfrm>
+          <a:off x="0" y="0"/>
+          <a:ext cx="0" cy="0"/>
+          <a:chOff x="0" y="0"/>
+          <a:chExt cx="0" cy="0"/>
+        </a:xfrm>
+      </p:grpSpPr>
+      <p:sp>
+        <p:nvSpPr>
+          <p:cNvPr id="2" name="Title 1"/>
+          <p:cNvSpPr>
+            <a:spLocks noGrp="1"/>
+          </p:cNvSpPr>
+          <p:nvPr>
+            <p:ph type="title"/>
+          </p:nvPr>
+        </p:nvSpPr>
+        <p:spPr/>
+        <p:txBody>
+          <a:bodyPr/>
+          <a:lstStyle/>
+          <a:p>
+            <a:pPr marL="0" indent="0"/>
+            <a:r>
+              <a:rPr lang="en-US" dirty="0" err="1" smtClean="0"/>
+              <a:t>Themeing</a:t>
+            </a:r>
+            <a:endParaRPr lang="en-US" dirty="0"/>
+          </a:p>
+        </p:txBody>
+      </p:sp>
+      <p:sp>
+        <p:nvSpPr>
+          <p:cNvPr id="3" name="Content Placeholder 2"/>
+          <p:cNvSpPr>
+            <a:spLocks noGrp="1"/>
+          </p:cNvSpPr>
+          <p:nvPr>
+            <p:ph idx="1"/>
+          </p:nvPr>
+        </p:nvSpPr>
+        <p:spPr/>
+        <p:txBody>
+          <a:bodyPr>
+            <a:normAutofit/>
+          </a:bodyPr>
+          <a:lstStyle/>
+          <a:p>
+            <a:r>
+              <a:rPr lang="en-US" dirty="0" smtClean="0"/>
+              <a:t>Super easy to theme!</a:t>
+            </a:r>
+            <a:endParaRPr lang="en-US" dirty="0" smtClean="0"/>
+          </a:p>
+          <a:p>
+            <a:r>
+              <a:rPr lang="en-US" dirty="0" smtClean="0"/>
+              <a:t>Just include/change the default CSS file</a:t>
+            </a:r>
+          </a:p>
+          <a:p>
+            <a:r>
+              <a:rPr lang="en-US" dirty="0" smtClean="0"/>
+              <a:t>Custom Themes</a:t>
+            </a:r>
+            <a:endParaRPr lang="en-US" dirty="0" smtClean="0"/>
+          </a:p>
+          <a:p>
+            <a:pPr lvl="1"/>
+            <a:r>
+              <a:rPr lang="en-US" dirty="0" smtClean="0"/>
+              <a:t>http</a:t>
+            </a:r>
+            <a:r>
+              <a:rPr lang="en-US" dirty="0"/>
+              <a:t>://jqueryui.com/themeroller</a:t>
+            </a:r>
+            <a:r>
+              <a:rPr lang="en-US" dirty="0" smtClean="0"/>
+              <a:t>/</a:t>
+            </a:r>
+          </a:p>
+          <a:p>
+            <a:r>
+              <a:rPr lang="en-US" dirty="0" smtClean="0"/>
+              <a:t>Premade themes</a:t>
+            </a:r>
+          </a:p>
+          <a:p>
+            <a:pPr lvl="1"/>
+            <a:r>
+              <a:rPr lang="en-US" dirty="0" smtClean="0"/>
+              <a:t>http</a:t>
+            </a:r>
+            <a:r>
+              <a:rPr lang="en-US" dirty="0"/>
+              <a:t>://</a:t>
+            </a:r>
+            <a:r>
+              <a:rPr lang="en-US" dirty="0" err="1"/>
+              <a:t>jqueryui.com</a:t>
+            </a:r>
+            <a:r>
+              <a:rPr lang="en-US" dirty="0"/>
+              <a:t>/download</a:t>
+            </a:r>
+            <a:endParaRPr lang="en-US" dirty="0" smtClean="0"/>
+          </a:p>
+        </p:txBody>
+      </p:sp>
+      <p:pic>
+        <p:nvPicPr>
+          <p:cNvPr id="4" name="Picture 3" descr="Screen Shot 2012-06-28 at 3.21.54 PM.png"/>
+          <p:cNvPicPr>
+            <a:picLocks noChangeAspect="1"/>
+          </p:cNvPicPr>
+          <p:nvPr/>
+        </p:nvPicPr>
+        <p:blipFill>
+          <a:blip r:embed="rId2">
+            <a:extLst>
+              <a:ext uri="{28A0092B-C50C-407E-A947-70E740481C1C}">
+                <a14:useLocalDpi xmlns:a14="http://schemas.microsoft.com/office/drawing/2010/main" val="0"/>
+              </a:ext>
+            </a:extLst>
+          </a:blip>
+          <a:stretch>
+            <a:fillRect/>
+          </a:stretch>
+        </p:blipFill>
+        <p:spPr>
+          <a:xfrm>
+            <a:off x="725680" y="5045388"/>
+            <a:ext cx="7442717" cy="1828927"/>
+          </a:xfrm>
+          <a:prstGeom prst="rect">
+            <a:avLst/>
+          </a:prstGeom>
+        </p:spPr>
+      </p:pic>
+      <p:sp>
+        <p:nvSpPr>
+          <p:cNvPr id="5" name="Frame 4"/>
+          <p:cNvSpPr/>
+          <p:nvPr/>
+        </p:nvSpPr>
+        <p:spPr>
+          <a:xfrm>
+            <a:off x="2549072" y="5116217"/>
+            <a:ext cx="698499" cy="390072"/>
+          </a:xfrm>
+          <a:prstGeom prst="frame">
+            <a:avLst>
+              <a:gd name="adj1" fmla="val 7849"/>
+            </a:avLst>
+          </a:prstGeom>
+        </p:spPr>
+        <p:style>
+          <a:lnRef idx="1">
+            <a:schemeClr val="accent1"/>
+          </a:lnRef>
+          <a:fillRef idx="3">
+            <a:schemeClr val="accent1"/>
+          </a:fillRef>
+          <a:effectRef idx="2">
+            <a:schemeClr val="accent1"/>
+          </a:effectRef>
+          <a:fontRef idx="minor">
+            <a:schemeClr val="lt1"/>
+          </a:fontRef>
+        </p:style>
+        <p:txBody>
+          <a:bodyPr rtlCol="0" anchor="ctr"/>
+          <a:lstStyle/>
+          <a:p>
+            <a:pPr algn="ctr"/>
+            <a:endParaRPr lang="en-US">
+              <a:solidFill>
+                <a:schemeClr val="tx1"/>
+              </a:solidFill>
+            </a:endParaRPr>
+          </a:p>
+        </p:txBody>
+      </p:sp>
+      <p:sp>
+        <p:nvSpPr>
+          <p:cNvPr id="6" name="Frame 5"/>
+          <p:cNvSpPr/>
+          <p:nvPr/>
+        </p:nvSpPr>
+        <p:spPr>
+          <a:xfrm>
+            <a:off x="651329" y="5903611"/>
+            <a:ext cx="7385958" cy="809178"/>
+          </a:xfrm>
+          <a:prstGeom prst="frame">
+            <a:avLst>
+              <a:gd name="adj1" fmla="val 4652"/>
+            </a:avLst>
+          </a:prstGeom>
+        </p:spPr>
+        <p:style>
+          <a:lnRef idx="1">
+            <a:schemeClr val="accent1"/>
+          </a:lnRef>
+          <a:fillRef idx="3">
+            <a:schemeClr val="accent1"/>
+          </a:fillRef>
+          <a:effectRef idx="2">
+            <a:schemeClr val="accent1"/>
+          </a:effectRef>
+          <a:fontRef idx="minor">
+            <a:schemeClr val="lt1"/>
+          </a:fontRef>
+        </p:style>
+        <p:txBody>
+          <a:bodyPr rtlCol="0" anchor="ctr"/>
+          <a:lstStyle/>
+          <a:p>
+            <a:pPr algn="ctr"/>
+            <a:endParaRPr lang="en-US">
+              <a:solidFill>
+                <a:schemeClr val="tx1"/>
+              </a:solidFill>
+            </a:endParaRPr>
+          </a:p>
+        </p:txBody>
+      </p:sp>
+    </p:spTree>
+    <p:extLst>
+      <p:ext uri="{BB962C8B-B14F-4D97-AF65-F5344CB8AC3E}">
+        <p14:creationId xmlns:p14="http://schemas.microsoft.com/office/powerpoint/2010/main" val="2610042770"/>
       </p:ext>
     </p:extLst>
   </p:cSld>
